--- a/Examples/Data/Charts/Presentation_BubbleSizeRepresentation.pptx
+++ b/Examples/Data/Charts/Presentation_BubbleSizeRepresentation.pptx
@@ -1,6 +1,6 @@
 
 <file path=ppt/presentation.xml><?xml version="1.0" encoding="utf-8"?>
-<!--Generated by Aspose.Slides for .NET 19.6-->
+<!--Generated by Aspose.Slides for .NET 21.12-->
 <p:presentation xmlns:r="http://schemas.openxmlformats.org/officeDocument/2006/relationships" xmlns:a="http://schemas.openxmlformats.org/drawingml/2006/main" xmlns:p="http://schemas.openxmlformats.org/presentationml/2006/main" saveSubsetFonts="1">
   <p:sldMasterIdLst>
     <p:sldMasterId id="2147483648" r:id="rId1"/>
@@ -112,7 +112,7 @@
 </file>
 
 <file path=ppt/charts/chart1.xml><?xml version="1.0" encoding="utf-8"?>
-<c:chartSpace xmlns:a="http://schemas.openxmlformats.org/drawingml/2006/main" xmlns:r="http://schemas.openxmlformats.org/officeDocument/2006/relationships" xmlns:c="http://schemas.openxmlformats.org/drawingml/2006/chart">
+<c:chartSpace xmlns:a="http://schemas.openxmlformats.org/drawingml/2006/main" xmlns:r="http://schemas.openxmlformats.org/officeDocument/2006/relationships" xmlns:m="http://schemas.openxmlformats.org/officeDocument/2006/math" xmlns:w="http://schemas.openxmlformats.org/wordprocessingml/2006/main" xmlns:wp="http://schemas.openxmlformats.org/drawingml/2006/wordprocessingDrawing" xmlns:a14="http://schemas.microsoft.com/office/drawing/2010/main" xmlns:c="http://schemas.openxmlformats.org/drawingml/2006/chart">
   <c:date1904 val="0"/>
   <c:lang val="ru-RU"/>
   <c:roundedCorners val="0"/>
@@ -270,11 +270,11 @@
 </file>
 
 <file path=ppt/slideLayouts/slideLayout1.xml><?xml version="1.0" encoding="utf-8"?>
-<p:sldLayout xmlns:a="http://schemas.openxmlformats.org/drawingml/2006/main" xmlns:r="http://schemas.openxmlformats.org/officeDocument/2006/relationships" xmlns:p14="http://schemas.microsoft.com/office/powerpoint/2010/main" xmlns:a14="http://schemas.microsoft.com/office/drawing/2010/main" xmlns:p15="http://schemas.microsoft.com/office/powerpoint/2012/main" xmlns:p159="http://schemas.microsoft.com/office/powerpoint/2015/09/main" xmlns:p="http://schemas.openxmlformats.org/presentationml/2006/main" type="title" preserve="1">
+<p:sldLayout xmlns:a="http://schemas.openxmlformats.org/drawingml/2006/main" xmlns:r="http://schemas.openxmlformats.org/officeDocument/2006/relationships" xmlns:m="http://schemas.openxmlformats.org/officeDocument/2006/math" xmlns:w="http://schemas.openxmlformats.org/wordprocessingml/2006/main" xmlns:wp="http://schemas.openxmlformats.org/drawingml/2006/wordprocessingDrawing" xmlns:a14="http://schemas.microsoft.com/office/drawing/2010/main" xmlns:mc="http://schemas.openxmlformats.org/markup-compatibility/2006" xmlns:p14="http://schemas.microsoft.com/office/powerpoint/2010/main" xmlns:p15="http://schemas.microsoft.com/office/powerpoint/2012/main" xmlns:p159="http://schemas.microsoft.com/office/powerpoint/2015/09/main" xmlns:p="http://schemas.openxmlformats.org/presentationml/2006/main" type="title" preserve="1">
   <p:cSld name="Title Slide">
     <p:spTree>
       <p:nvGrpSpPr>
-        <p:cNvPr id="1" name=""/>
+        <p:cNvPr id="1" name="" title=""/>
         <p:cNvGrpSpPr/>
         <p:nvPr/>
       </p:nvGrpSpPr>
@@ -286,7 +286,7 @@
       </p:grpSpPr>
       <p:sp>
         <p:nvSpPr>
-          <p:cNvPr id="2" name="Title 1"/>
+          <p:cNvPr id="2" name="Title 1" title=""/>
           <p:cNvSpPr>
             <a:spLocks noGrp="1"/>
           </p:cNvSpPr>
@@ -309,7 +309,7 @@
       </p:sp>
       <p:sp>
         <p:nvSpPr>
-          <p:cNvPr id="3" name="Subtitle 2"/>
+          <p:cNvPr id="3" name="Subtitle 2" title=""/>
           <p:cNvSpPr>
             <a:spLocks noGrp="1"/>
           </p:cNvSpPr>
@@ -423,7 +423,7 @@
       </p:sp>
       <p:sp>
         <p:nvSpPr>
-          <p:cNvPr id="4" name="Date Placeholder 3"/>
+          <p:cNvPr id="4" name="Date Placeholder 3" title=""/>
           <p:cNvSpPr>
             <a:spLocks noGrp="1"/>
           </p:cNvSpPr>
@@ -436,7 +436,7 @@
           <a:bodyPr/>
           <a:lstStyle/>
           <a:p>
-            <a:fld id="{7F2DF1AD-C4C8-4714-A58D-016E1226EB02}" type="datetimeFigureOut">
+            <a:fld id="{86314D51-E613-4B08-90B5-18E0838B5391}" type="datetimeFigureOut">
               <a:rPr lang="en-US" smtClean="0"/>
               <a:t>11/7/2009</a:t>
             </a:fld>
@@ -446,7 +446,7 @@
       </p:sp>
       <p:sp>
         <p:nvSpPr>
-          <p:cNvPr id="5" name="Footer Placeholder 4"/>
+          <p:cNvPr id="5" name="Footer Placeholder 4" title=""/>
           <p:cNvSpPr>
             <a:spLocks noGrp="1"/>
           </p:cNvSpPr>
@@ -465,7 +465,7 @@
       </p:sp>
       <p:sp>
         <p:nvSpPr>
-          <p:cNvPr id="6" name="Slide Number Placeholder 5"/>
+          <p:cNvPr id="6" name="Slide Number Placeholder 5" title=""/>
           <p:cNvSpPr>
             <a:spLocks noGrp="1"/>
           </p:cNvSpPr>
@@ -497,11 +497,11 @@
 </file>
 
 <file path=ppt/slideLayouts/slideLayout10.xml><?xml version="1.0" encoding="utf-8"?>
-<p:sldLayout xmlns:a="http://schemas.openxmlformats.org/drawingml/2006/main" xmlns:r="http://schemas.openxmlformats.org/officeDocument/2006/relationships" xmlns:p14="http://schemas.microsoft.com/office/powerpoint/2010/main" xmlns:a14="http://schemas.microsoft.com/office/drawing/2010/main" xmlns:p15="http://schemas.microsoft.com/office/powerpoint/2012/main" xmlns:p159="http://schemas.microsoft.com/office/powerpoint/2015/09/main" xmlns:p="http://schemas.openxmlformats.org/presentationml/2006/main" type="vertTx" preserve="1">
+<p:sldLayout xmlns:a="http://schemas.openxmlformats.org/drawingml/2006/main" xmlns:r="http://schemas.openxmlformats.org/officeDocument/2006/relationships" xmlns:m="http://schemas.openxmlformats.org/officeDocument/2006/math" xmlns:w="http://schemas.openxmlformats.org/wordprocessingml/2006/main" xmlns:wp="http://schemas.openxmlformats.org/drawingml/2006/wordprocessingDrawing" xmlns:a14="http://schemas.microsoft.com/office/drawing/2010/main" xmlns:mc="http://schemas.openxmlformats.org/markup-compatibility/2006" xmlns:p14="http://schemas.microsoft.com/office/powerpoint/2010/main" xmlns:p15="http://schemas.microsoft.com/office/powerpoint/2012/main" xmlns:p159="http://schemas.microsoft.com/office/powerpoint/2015/09/main" xmlns:p="http://schemas.openxmlformats.org/presentationml/2006/main" type="vertTx" preserve="1">
   <p:cSld name="Title and Vertical Text">
     <p:spTree>
       <p:nvGrpSpPr>
-        <p:cNvPr id="1" name=""/>
+        <p:cNvPr id="1" name="" title=""/>
         <p:cNvGrpSpPr/>
         <p:nvPr/>
       </p:nvGrpSpPr>
@@ -513,7 +513,7 @@
       </p:grpSpPr>
       <p:sp>
         <p:nvSpPr>
-          <p:cNvPr id="2" name="Title 1"/>
+          <p:cNvPr id="2" name="Title 1" title=""/>
           <p:cNvSpPr>
             <a:spLocks noGrp="1"/>
           </p:cNvSpPr>
@@ -536,7 +536,7 @@
       </p:sp>
       <p:sp>
         <p:nvSpPr>
-          <p:cNvPr id="3" name="Vertical Text Placeholder 2"/>
+          <p:cNvPr id="3" name="Vertical Text Placeholder 2" title=""/>
           <p:cNvSpPr>
             <a:spLocks noGrp="1"/>
           </p:cNvSpPr>
@@ -587,7 +587,7 @@
       </p:sp>
       <p:sp>
         <p:nvSpPr>
-          <p:cNvPr id="4" name="Date Placeholder 3"/>
+          <p:cNvPr id="4" name="Date Placeholder 3" title=""/>
           <p:cNvSpPr>
             <a:spLocks noGrp="1"/>
           </p:cNvSpPr>
@@ -600,7 +600,7 @@
           <a:bodyPr/>
           <a:lstStyle/>
           <a:p>
-            <a:fld id="{F7FA3D8F-C7A0-45A7-A26F-99B1C8D831EA}" type="datetimeFigureOut">
+            <a:fld id="{FA96CB43-0535-4B20-96B1-BA7484872771}" type="datetimeFigureOut">
               <a:rPr lang="en-US" smtClean="0"/>
               <a:t>11/7/2009</a:t>
             </a:fld>
@@ -610,7 +610,7 @@
       </p:sp>
       <p:sp>
         <p:nvSpPr>
-          <p:cNvPr id="5" name="Footer Placeholder 4"/>
+          <p:cNvPr id="5" name="Footer Placeholder 4" title=""/>
           <p:cNvSpPr>
             <a:spLocks noGrp="1"/>
           </p:cNvSpPr>
@@ -629,7 +629,7 @@
       </p:sp>
       <p:sp>
         <p:nvSpPr>
-          <p:cNvPr id="6" name="Slide Number Placeholder 5"/>
+          <p:cNvPr id="6" name="Slide Number Placeholder 5" title=""/>
           <p:cNvSpPr>
             <a:spLocks noGrp="1"/>
           </p:cNvSpPr>
@@ -661,11 +661,11 @@
 </file>
 
 <file path=ppt/slideLayouts/slideLayout11.xml><?xml version="1.0" encoding="utf-8"?>
-<p:sldLayout xmlns:a="http://schemas.openxmlformats.org/drawingml/2006/main" xmlns:r="http://schemas.openxmlformats.org/officeDocument/2006/relationships" xmlns:p14="http://schemas.microsoft.com/office/powerpoint/2010/main" xmlns:a14="http://schemas.microsoft.com/office/drawing/2010/main" xmlns:p15="http://schemas.microsoft.com/office/powerpoint/2012/main" xmlns:p159="http://schemas.microsoft.com/office/powerpoint/2015/09/main" xmlns:p="http://schemas.openxmlformats.org/presentationml/2006/main" type="vertTitleAndTx" preserve="1">
+<p:sldLayout xmlns:a="http://schemas.openxmlformats.org/drawingml/2006/main" xmlns:r="http://schemas.openxmlformats.org/officeDocument/2006/relationships" xmlns:m="http://schemas.openxmlformats.org/officeDocument/2006/math" xmlns:w="http://schemas.openxmlformats.org/wordprocessingml/2006/main" xmlns:wp="http://schemas.openxmlformats.org/drawingml/2006/wordprocessingDrawing" xmlns:a14="http://schemas.microsoft.com/office/drawing/2010/main" xmlns:mc="http://schemas.openxmlformats.org/markup-compatibility/2006" xmlns:p14="http://schemas.microsoft.com/office/powerpoint/2010/main" xmlns:p15="http://schemas.microsoft.com/office/powerpoint/2012/main" xmlns:p159="http://schemas.microsoft.com/office/powerpoint/2015/09/main" xmlns:p="http://schemas.openxmlformats.org/presentationml/2006/main" type="vertTitleAndTx" preserve="1">
   <p:cSld name="Vertical Title and Text">
     <p:spTree>
       <p:nvGrpSpPr>
-        <p:cNvPr id="1" name=""/>
+        <p:cNvPr id="1" name="" title=""/>
         <p:cNvGrpSpPr/>
         <p:nvPr/>
       </p:nvGrpSpPr>
@@ -677,7 +677,7 @@
       </p:grpSpPr>
       <p:sp>
         <p:nvSpPr>
-          <p:cNvPr id="2" name="Vertical Title 1"/>
+          <p:cNvPr id="2" name="Vertical Title 1" title=""/>
           <p:cNvSpPr>
             <a:spLocks noGrp="1"/>
           </p:cNvSpPr>
@@ -700,7 +700,7 @@
       </p:sp>
       <p:sp>
         <p:nvSpPr>
-          <p:cNvPr id="3" name="Vertical Text Placeholder 2"/>
+          <p:cNvPr id="3" name="Vertical Text Placeholder 2" title=""/>
           <p:cNvSpPr>
             <a:spLocks noGrp="1"/>
           </p:cNvSpPr>
@@ -751,7 +751,7 @@
       </p:sp>
       <p:sp>
         <p:nvSpPr>
-          <p:cNvPr id="4" name="Date Placeholder 3"/>
+          <p:cNvPr id="4" name="Date Placeholder 3" title=""/>
           <p:cNvSpPr>
             <a:spLocks noGrp="1"/>
           </p:cNvSpPr>
@@ -764,7 +764,7 @@
           <a:bodyPr/>
           <a:lstStyle/>
           <a:p>
-            <a:fld id="{898C1DF4-BAD3-4D0C-B719-BDBE11B4916A}" type="datetimeFigureOut">
+            <a:fld id="{A1D0D2B5-D9E2-4C6F-9496-34EB5F843BC5}" type="datetimeFigureOut">
               <a:rPr lang="en-US" smtClean="0"/>
               <a:t>11/7/2009</a:t>
             </a:fld>
@@ -774,7 +774,7 @@
       </p:sp>
       <p:sp>
         <p:nvSpPr>
-          <p:cNvPr id="5" name="Footer Placeholder 4"/>
+          <p:cNvPr id="5" name="Footer Placeholder 4" title=""/>
           <p:cNvSpPr>
             <a:spLocks noGrp="1"/>
           </p:cNvSpPr>
@@ -793,7 +793,7 @@
       </p:sp>
       <p:sp>
         <p:nvSpPr>
-          <p:cNvPr id="6" name="Slide Number Placeholder 5"/>
+          <p:cNvPr id="6" name="Slide Number Placeholder 5" title=""/>
           <p:cNvSpPr>
             <a:spLocks noGrp="1"/>
           </p:cNvSpPr>
@@ -825,11 +825,11 @@
 </file>
 
 <file path=ppt/slideLayouts/slideLayout2.xml><?xml version="1.0" encoding="utf-8"?>
-<p:sldLayout xmlns:a="http://schemas.openxmlformats.org/drawingml/2006/main" xmlns:r="http://schemas.openxmlformats.org/officeDocument/2006/relationships" xmlns:p14="http://schemas.microsoft.com/office/powerpoint/2010/main" xmlns:a14="http://schemas.microsoft.com/office/drawing/2010/main" xmlns:p15="http://schemas.microsoft.com/office/powerpoint/2012/main" xmlns:p159="http://schemas.microsoft.com/office/powerpoint/2015/09/main" xmlns:p="http://schemas.openxmlformats.org/presentationml/2006/main" type="obj" preserve="1">
+<p:sldLayout xmlns:a="http://schemas.openxmlformats.org/drawingml/2006/main" xmlns:r="http://schemas.openxmlformats.org/officeDocument/2006/relationships" xmlns:m="http://schemas.openxmlformats.org/officeDocument/2006/math" xmlns:w="http://schemas.openxmlformats.org/wordprocessingml/2006/main" xmlns:wp="http://schemas.openxmlformats.org/drawingml/2006/wordprocessingDrawing" xmlns:a14="http://schemas.microsoft.com/office/drawing/2010/main" xmlns:mc="http://schemas.openxmlformats.org/markup-compatibility/2006" xmlns:p14="http://schemas.microsoft.com/office/powerpoint/2010/main" xmlns:p15="http://schemas.microsoft.com/office/powerpoint/2012/main" xmlns:p159="http://schemas.microsoft.com/office/powerpoint/2015/09/main" xmlns:p="http://schemas.openxmlformats.org/presentationml/2006/main" type="obj" preserve="1">
   <p:cSld name="Title and Content">
     <p:spTree>
       <p:nvGrpSpPr>
-        <p:cNvPr id="1" name=""/>
+        <p:cNvPr id="1" name="" title=""/>
         <p:cNvGrpSpPr/>
         <p:nvPr/>
       </p:nvGrpSpPr>
@@ -841,7 +841,7 @@
       </p:grpSpPr>
       <p:sp>
         <p:nvSpPr>
-          <p:cNvPr id="2" name="Title 1"/>
+          <p:cNvPr id="2" name="Title 1" title=""/>
           <p:cNvSpPr>
             <a:spLocks noGrp="1"/>
           </p:cNvSpPr>
@@ -864,7 +864,7 @@
       </p:sp>
       <p:sp>
         <p:nvSpPr>
-          <p:cNvPr id="3" name="Content Placeholder 2"/>
+          <p:cNvPr id="3" name="Content Placeholder 2" title=""/>
           <p:cNvSpPr>
             <a:spLocks noGrp="1"/>
           </p:cNvSpPr>
@@ -915,7 +915,7 @@
       </p:sp>
       <p:sp>
         <p:nvSpPr>
-          <p:cNvPr id="4" name="Date Placeholder 3"/>
+          <p:cNvPr id="4" name="Date Placeholder 3" title=""/>
           <p:cNvSpPr>
             <a:spLocks noGrp="1"/>
           </p:cNvSpPr>
@@ -928,7 +928,7 @@
           <a:bodyPr/>
           <a:lstStyle/>
           <a:p>
-            <a:fld id="{42F880D8-3F09-4F47-8EE5-74692690FD31}" type="datetimeFigureOut">
+            <a:fld id="{425D20D3-29F3-456A-84E9-B38EC1B98E06}" type="datetimeFigureOut">
               <a:rPr lang="en-US" smtClean="0"/>
               <a:t>11/7/2009</a:t>
             </a:fld>
@@ -938,7 +938,7 @@
       </p:sp>
       <p:sp>
         <p:nvSpPr>
-          <p:cNvPr id="5" name="Footer Placeholder 4"/>
+          <p:cNvPr id="5" name="Footer Placeholder 4" title=""/>
           <p:cNvSpPr>
             <a:spLocks noGrp="1"/>
           </p:cNvSpPr>
@@ -957,7 +957,7 @@
       </p:sp>
       <p:sp>
         <p:nvSpPr>
-          <p:cNvPr id="6" name="Slide Number Placeholder 5"/>
+          <p:cNvPr id="6" name="Slide Number Placeholder 5" title=""/>
           <p:cNvSpPr>
             <a:spLocks noGrp="1"/>
           </p:cNvSpPr>
@@ -989,11 +989,11 @@
 </file>
 
 <file path=ppt/slideLayouts/slideLayout3.xml><?xml version="1.0" encoding="utf-8"?>
-<p:sldLayout xmlns:a="http://schemas.openxmlformats.org/drawingml/2006/main" xmlns:r="http://schemas.openxmlformats.org/officeDocument/2006/relationships" xmlns:p14="http://schemas.microsoft.com/office/powerpoint/2010/main" xmlns:a14="http://schemas.microsoft.com/office/drawing/2010/main" xmlns:p15="http://schemas.microsoft.com/office/powerpoint/2012/main" xmlns:p159="http://schemas.microsoft.com/office/powerpoint/2015/09/main" xmlns:p="http://schemas.openxmlformats.org/presentationml/2006/main" type="secHead" preserve="1">
+<p:sldLayout xmlns:a="http://schemas.openxmlformats.org/drawingml/2006/main" xmlns:r="http://schemas.openxmlformats.org/officeDocument/2006/relationships" xmlns:m="http://schemas.openxmlformats.org/officeDocument/2006/math" xmlns:w="http://schemas.openxmlformats.org/wordprocessingml/2006/main" xmlns:wp="http://schemas.openxmlformats.org/drawingml/2006/wordprocessingDrawing" xmlns:a14="http://schemas.microsoft.com/office/drawing/2010/main" xmlns:mc="http://schemas.openxmlformats.org/markup-compatibility/2006" xmlns:p14="http://schemas.microsoft.com/office/powerpoint/2010/main" xmlns:p15="http://schemas.microsoft.com/office/powerpoint/2012/main" xmlns:p159="http://schemas.microsoft.com/office/powerpoint/2015/09/main" xmlns:p="http://schemas.openxmlformats.org/presentationml/2006/main" type="secHead" preserve="1">
   <p:cSld name="Section Header">
     <p:spTree>
       <p:nvGrpSpPr>
-        <p:cNvPr id="1" name=""/>
+        <p:cNvPr id="1" name="" title=""/>
         <p:cNvGrpSpPr/>
         <p:nvPr/>
       </p:nvGrpSpPr>
@@ -1005,7 +1005,7 @@
       </p:grpSpPr>
       <p:sp>
         <p:nvSpPr>
-          <p:cNvPr id="2" name="Title 1"/>
+          <p:cNvPr id="2" name="Title 1" title=""/>
           <p:cNvSpPr>
             <a:spLocks noGrp="1"/>
           </p:cNvSpPr>
@@ -1032,7 +1032,7 @@
       </p:sp>
       <p:sp>
         <p:nvSpPr>
-          <p:cNvPr id="3" name="Text Placeholder 2"/>
+          <p:cNvPr id="3" name="Text Placeholder 2" title=""/>
           <p:cNvSpPr>
             <a:spLocks noGrp="1"/>
           </p:cNvSpPr>
@@ -1145,7 +1145,7 @@
       </p:sp>
       <p:sp>
         <p:nvSpPr>
-          <p:cNvPr id="4" name="Date Placeholder 3"/>
+          <p:cNvPr id="4" name="Date Placeholder 3" title=""/>
           <p:cNvSpPr>
             <a:spLocks noGrp="1"/>
           </p:cNvSpPr>
@@ -1158,7 +1158,7 @@
           <a:bodyPr/>
           <a:lstStyle/>
           <a:p>
-            <a:fld id="{CB7051C7-82E0-4379-B732-B54C27AEDBE9}" type="datetimeFigureOut">
+            <a:fld id="{C38F7C36-126F-4F9C-9CA0-E868A8788CD9}" type="datetimeFigureOut">
               <a:rPr lang="en-US" smtClean="0"/>
               <a:t>11/7/2009</a:t>
             </a:fld>
@@ -1168,7 +1168,7 @@
       </p:sp>
       <p:sp>
         <p:nvSpPr>
-          <p:cNvPr id="5" name="Footer Placeholder 4"/>
+          <p:cNvPr id="5" name="Footer Placeholder 4" title=""/>
           <p:cNvSpPr>
             <a:spLocks noGrp="1"/>
           </p:cNvSpPr>
@@ -1187,7 +1187,7 @@
       </p:sp>
       <p:sp>
         <p:nvSpPr>
-          <p:cNvPr id="6" name="Slide Number Placeholder 5"/>
+          <p:cNvPr id="6" name="Slide Number Placeholder 5" title=""/>
           <p:cNvSpPr>
             <a:spLocks noGrp="1"/>
           </p:cNvSpPr>
@@ -1219,11 +1219,11 @@
 </file>
 
 <file path=ppt/slideLayouts/slideLayout4.xml><?xml version="1.0" encoding="utf-8"?>
-<p:sldLayout xmlns:a="http://schemas.openxmlformats.org/drawingml/2006/main" xmlns:r="http://schemas.openxmlformats.org/officeDocument/2006/relationships" xmlns:p14="http://schemas.microsoft.com/office/powerpoint/2010/main" xmlns:a14="http://schemas.microsoft.com/office/drawing/2010/main" xmlns:p15="http://schemas.microsoft.com/office/powerpoint/2012/main" xmlns:p159="http://schemas.microsoft.com/office/powerpoint/2015/09/main" xmlns:p="http://schemas.openxmlformats.org/presentationml/2006/main" type="twoObj" preserve="1">
+<p:sldLayout xmlns:a="http://schemas.openxmlformats.org/drawingml/2006/main" xmlns:r="http://schemas.openxmlformats.org/officeDocument/2006/relationships" xmlns:m="http://schemas.openxmlformats.org/officeDocument/2006/math" xmlns:w="http://schemas.openxmlformats.org/wordprocessingml/2006/main" xmlns:wp="http://schemas.openxmlformats.org/drawingml/2006/wordprocessingDrawing" xmlns:a14="http://schemas.microsoft.com/office/drawing/2010/main" xmlns:mc="http://schemas.openxmlformats.org/markup-compatibility/2006" xmlns:p14="http://schemas.microsoft.com/office/powerpoint/2010/main" xmlns:p15="http://schemas.microsoft.com/office/powerpoint/2012/main" xmlns:p159="http://schemas.microsoft.com/office/powerpoint/2015/09/main" xmlns:p="http://schemas.openxmlformats.org/presentationml/2006/main" type="twoObj" preserve="1">
   <p:cSld name="Two Content">
     <p:spTree>
       <p:nvGrpSpPr>
-        <p:cNvPr id="1" name=""/>
+        <p:cNvPr id="1" name="" title=""/>
         <p:cNvGrpSpPr/>
         <p:nvPr/>
       </p:nvGrpSpPr>
@@ -1235,7 +1235,7 @@
       </p:grpSpPr>
       <p:sp>
         <p:nvSpPr>
-          <p:cNvPr id="2" name="Title 1"/>
+          <p:cNvPr id="2" name="Title 1" title=""/>
           <p:cNvSpPr>
             <a:spLocks noGrp="1"/>
           </p:cNvSpPr>
@@ -1258,7 +1258,7 @@
       </p:sp>
       <p:sp>
         <p:nvSpPr>
-          <p:cNvPr id="3" name="Content Placeholder 2"/>
+          <p:cNvPr id="3" name="Content Placeholder 2" title=""/>
           <p:cNvSpPr>
             <a:spLocks noGrp="1"/>
           </p:cNvSpPr>
@@ -1337,7 +1337,7 @@
       </p:sp>
       <p:sp>
         <p:nvSpPr>
-          <p:cNvPr id="4" name="Content Placeholder 3"/>
+          <p:cNvPr id="4" name="Content Placeholder 3" title=""/>
           <p:cNvSpPr>
             <a:spLocks noGrp="1"/>
           </p:cNvSpPr>
@@ -1416,7 +1416,7 @@
       </p:sp>
       <p:sp>
         <p:nvSpPr>
-          <p:cNvPr id="5" name="Date Placeholder 4"/>
+          <p:cNvPr id="5" name="Date Placeholder 4" title=""/>
           <p:cNvSpPr>
             <a:spLocks noGrp="1"/>
           </p:cNvSpPr>
@@ -1429,7 +1429,7 @@
           <a:bodyPr/>
           <a:lstStyle/>
           <a:p>
-            <a:fld id="{74061682-180C-4548-9036-42DB4A864465}" type="datetimeFigureOut">
+            <a:fld id="{B34F07C5-65C5-4607-BDE5-84F9599C6C04}" type="datetimeFigureOut">
               <a:rPr lang="en-US" smtClean="0"/>
               <a:t>11/7/2009</a:t>
             </a:fld>
@@ -1439,7 +1439,7 @@
       </p:sp>
       <p:sp>
         <p:nvSpPr>
-          <p:cNvPr id="6" name="Footer Placeholder 5"/>
+          <p:cNvPr id="6" name="Footer Placeholder 5" title=""/>
           <p:cNvSpPr>
             <a:spLocks noGrp="1"/>
           </p:cNvSpPr>
@@ -1458,7 +1458,7 @@
       </p:sp>
       <p:sp>
         <p:nvSpPr>
-          <p:cNvPr id="7" name="Slide Number Placeholder 6"/>
+          <p:cNvPr id="7" name="Slide Number Placeholder 6" title=""/>
           <p:cNvSpPr>
             <a:spLocks noGrp="1"/>
           </p:cNvSpPr>
@@ -1490,11 +1490,11 @@
 </file>
 
 <file path=ppt/slideLayouts/slideLayout5.xml><?xml version="1.0" encoding="utf-8"?>
-<p:sldLayout xmlns:a="http://schemas.openxmlformats.org/drawingml/2006/main" xmlns:r="http://schemas.openxmlformats.org/officeDocument/2006/relationships" xmlns:p14="http://schemas.microsoft.com/office/powerpoint/2010/main" xmlns:a14="http://schemas.microsoft.com/office/drawing/2010/main" xmlns:p15="http://schemas.microsoft.com/office/powerpoint/2012/main" xmlns:p159="http://schemas.microsoft.com/office/powerpoint/2015/09/main" xmlns:p="http://schemas.openxmlformats.org/presentationml/2006/main" type="twoTxTwoObj" preserve="1">
+<p:sldLayout xmlns:a="http://schemas.openxmlformats.org/drawingml/2006/main" xmlns:r="http://schemas.openxmlformats.org/officeDocument/2006/relationships" xmlns:m="http://schemas.openxmlformats.org/officeDocument/2006/math" xmlns:w="http://schemas.openxmlformats.org/wordprocessingml/2006/main" xmlns:wp="http://schemas.openxmlformats.org/drawingml/2006/wordprocessingDrawing" xmlns:a14="http://schemas.microsoft.com/office/drawing/2010/main" xmlns:mc="http://schemas.openxmlformats.org/markup-compatibility/2006" xmlns:p14="http://schemas.microsoft.com/office/powerpoint/2010/main" xmlns:p15="http://schemas.microsoft.com/office/powerpoint/2012/main" xmlns:p159="http://schemas.microsoft.com/office/powerpoint/2015/09/main" xmlns:p="http://schemas.openxmlformats.org/presentationml/2006/main" type="twoTxTwoObj" preserve="1">
   <p:cSld name="Comparison">
     <p:spTree>
       <p:nvGrpSpPr>
-        <p:cNvPr id="1" name=""/>
+        <p:cNvPr id="1" name="" title=""/>
         <p:cNvGrpSpPr/>
         <p:nvPr/>
       </p:nvGrpSpPr>
@@ -1506,7 +1506,7 @@
       </p:grpSpPr>
       <p:sp>
         <p:nvSpPr>
-          <p:cNvPr id="2" name="Title 1"/>
+          <p:cNvPr id="2" name="Title 1" title=""/>
           <p:cNvSpPr>
             <a:spLocks noGrp="1"/>
           </p:cNvSpPr>
@@ -1529,7 +1529,7 @@
       </p:sp>
       <p:sp>
         <p:nvSpPr>
-          <p:cNvPr id="3" name="Text Placeholder 2"/>
+          <p:cNvPr id="3" name="Text Placeholder 2" title=""/>
           <p:cNvSpPr>
             <a:spLocks noGrp="1"/>
           </p:cNvSpPr>
@@ -1588,7 +1588,7 @@
       </p:sp>
       <p:sp>
         <p:nvSpPr>
-          <p:cNvPr id="4" name="Content Placeholder 3"/>
+          <p:cNvPr id="4" name="Content Placeholder 3" title=""/>
           <p:cNvSpPr>
             <a:spLocks noGrp="1"/>
           </p:cNvSpPr>
@@ -1667,7 +1667,7 @@
       </p:sp>
       <p:sp>
         <p:nvSpPr>
-          <p:cNvPr id="5" name="Text Placeholder 4"/>
+          <p:cNvPr id="5" name="Text Placeholder 4" title=""/>
           <p:cNvSpPr>
             <a:spLocks noGrp="1"/>
           </p:cNvSpPr>
@@ -1726,7 +1726,7 @@
       </p:sp>
       <p:sp>
         <p:nvSpPr>
-          <p:cNvPr id="6" name="Content Placeholder 5"/>
+          <p:cNvPr id="6" name="Content Placeholder 5" title=""/>
           <p:cNvSpPr>
             <a:spLocks noGrp="1"/>
           </p:cNvSpPr>
@@ -1805,7 +1805,7 @@
       </p:sp>
       <p:sp>
         <p:nvSpPr>
-          <p:cNvPr id="7" name="Date Placeholder 6"/>
+          <p:cNvPr id="7" name="Date Placeholder 6" title=""/>
           <p:cNvSpPr>
             <a:spLocks noGrp="1"/>
           </p:cNvSpPr>
@@ -1818,7 +1818,7 @@
           <a:bodyPr/>
           <a:lstStyle/>
           <a:p>
-            <a:fld id="{AEF7C95F-7402-428F-8D1D-C0AFDE7226AC}" type="datetimeFigureOut">
+            <a:fld id="{0740E4E5-87C9-4D99-91F1-C3409F131293}" type="datetimeFigureOut">
               <a:rPr lang="en-US" smtClean="0"/>
               <a:t>11/7/2009</a:t>
             </a:fld>
@@ -1828,7 +1828,7 @@
       </p:sp>
       <p:sp>
         <p:nvSpPr>
-          <p:cNvPr id="8" name="Footer Placeholder 7"/>
+          <p:cNvPr id="8" name="Footer Placeholder 7" title=""/>
           <p:cNvSpPr>
             <a:spLocks noGrp="1"/>
           </p:cNvSpPr>
@@ -1847,7 +1847,7 @@
       </p:sp>
       <p:sp>
         <p:nvSpPr>
-          <p:cNvPr id="9" name="Slide Number Placeholder 8"/>
+          <p:cNvPr id="9" name="Slide Number Placeholder 8" title=""/>
           <p:cNvSpPr>
             <a:spLocks noGrp="1"/>
           </p:cNvSpPr>
@@ -1879,11 +1879,11 @@
 </file>
 
 <file path=ppt/slideLayouts/slideLayout6.xml><?xml version="1.0" encoding="utf-8"?>
-<p:sldLayout xmlns:a="http://schemas.openxmlformats.org/drawingml/2006/main" xmlns:r="http://schemas.openxmlformats.org/officeDocument/2006/relationships" xmlns:p14="http://schemas.microsoft.com/office/powerpoint/2010/main" xmlns:a14="http://schemas.microsoft.com/office/drawing/2010/main" xmlns:p15="http://schemas.microsoft.com/office/powerpoint/2012/main" xmlns:p159="http://schemas.microsoft.com/office/powerpoint/2015/09/main" xmlns:p="http://schemas.openxmlformats.org/presentationml/2006/main" type="titleOnly" preserve="1">
+<p:sldLayout xmlns:a="http://schemas.openxmlformats.org/drawingml/2006/main" xmlns:r="http://schemas.openxmlformats.org/officeDocument/2006/relationships" xmlns:m="http://schemas.openxmlformats.org/officeDocument/2006/math" xmlns:w="http://schemas.openxmlformats.org/wordprocessingml/2006/main" xmlns:wp="http://schemas.openxmlformats.org/drawingml/2006/wordprocessingDrawing" xmlns:a14="http://schemas.microsoft.com/office/drawing/2010/main" xmlns:mc="http://schemas.openxmlformats.org/markup-compatibility/2006" xmlns:p14="http://schemas.microsoft.com/office/powerpoint/2010/main" xmlns:p15="http://schemas.microsoft.com/office/powerpoint/2012/main" xmlns:p159="http://schemas.microsoft.com/office/powerpoint/2015/09/main" xmlns:p="http://schemas.openxmlformats.org/presentationml/2006/main" type="titleOnly" preserve="1">
   <p:cSld name="Title Only">
     <p:spTree>
       <p:nvGrpSpPr>
-        <p:cNvPr id="1" name=""/>
+        <p:cNvPr id="1" name="" title=""/>
         <p:cNvGrpSpPr/>
         <p:nvPr/>
       </p:nvGrpSpPr>
@@ -1895,7 +1895,7 @@
       </p:grpSpPr>
       <p:sp>
         <p:nvSpPr>
-          <p:cNvPr id="2" name="Title 1"/>
+          <p:cNvPr id="2" name="Title 1" title=""/>
           <p:cNvSpPr>
             <a:spLocks noGrp="1"/>
           </p:cNvSpPr>
@@ -1918,7 +1918,7 @@
       </p:sp>
       <p:sp>
         <p:nvSpPr>
-          <p:cNvPr id="3" name="Date Placeholder 2"/>
+          <p:cNvPr id="3" name="Date Placeholder 2" title=""/>
           <p:cNvSpPr>
             <a:spLocks noGrp="1"/>
           </p:cNvSpPr>
@@ -1931,7 +1931,7 @@
           <a:bodyPr/>
           <a:lstStyle/>
           <a:p>
-            <a:fld id="{34EE82E9-17C8-4639-B6C9-A6B9DBF42DDA}" type="datetimeFigureOut">
+            <a:fld id="{F14C8496-C5C2-4490-BA55-D9B52EF599C6}" type="datetimeFigureOut">
               <a:rPr lang="en-US" smtClean="0"/>
               <a:t>11/7/2009</a:t>
             </a:fld>
@@ -1941,7 +1941,7 @@
       </p:sp>
       <p:sp>
         <p:nvSpPr>
-          <p:cNvPr id="4" name="Footer Placeholder 3"/>
+          <p:cNvPr id="4" name="Footer Placeholder 3" title=""/>
           <p:cNvSpPr>
             <a:spLocks noGrp="1"/>
           </p:cNvSpPr>
@@ -1960,7 +1960,7 @@
       </p:sp>
       <p:sp>
         <p:nvSpPr>
-          <p:cNvPr id="5" name="Slide Number Placeholder 4"/>
+          <p:cNvPr id="5" name="Slide Number Placeholder 4" title=""/>
           <p:cNvSpPr>
             <a:spLocks noGrp="1"/>
           </p:cNvSpPr>
@@ -1992,11 +1992,11 @@
 </file>
 
 <file path=ppt/slideLayouts/slideLayout7.xml><?xml version="1.0" encoding="utf-8"?>
-<p:sldLayout xmlns:a="http://schemas.openxmlformats.org/drawingml/2006/main" xmlns:r="http://schemas.openxmlformats.org/officeDocument/2006/relationships" xmlns:p14="http://schemas.microsoft.com/office/powerpoint/2010/main" xmlns:a14="http://schemas.microsoft.com/office/drawing/2010/main" xmlns:p15="http://schemas.microsoft.com/office/powerpoint/2012/main" xmlns:p159="http://schemas.microsoft.com/office/powerpoint/2015/09/main" xmlns:p="http://schemas.openxmlformats.org/presentationml/2006/main" type="blank" preserve="1">
+<p:sldLayout xmlns:a="http://schemas.openxmlformats.org/drawingml/2006/main" xmlns:r="http://schemas.openxmlformats.org/officeDocument/2006/relationships" xmlns:m="http://schemas.openxmlformats.org/officeDocument/2006/math" xmlns:w="http://schemas.openxmlformats.org/wordprocessingml/2006/main" xmlns:wp="http://schemas.openxmlformats.org/drawingml/2006/wordprocessingDrawing" xmlns:a14="http://schemas.microsoft.com/office/drawing/2010/main" xmlns:mc="http://schemas.openxmlformats.org/markup-compatibility/2006" xmlns:p14="http://schemas.microsoft.com/office/powerpoint/2010/main" xmlns:p15="http://schemas.microsoft.com/office/powerpoint/2012/main" xmlns:p159="http://schemas.microsoft.com/office/powerpoint/2015/09/main" xmlns:p="http://schemas.openxmlformats.org/presentationml/2006/main" type="blank" preserve="1">
   <p:cSld name="Blank">
     <p:spTree>
       <p:nvGrpSpPr>
-        <p:cNvPr id="1" name=""/>
+        <p:cNvPr id="1" name="" title=""/>
         <p:cNvGrpSpPr/>
         <p:nvPr/>
       </p:nvGrpSpPr>
@@ -2008,7 +2008,7 @@
       </p:grpSpPr>
       <p:sp>
         <p:nvSpPr>
-          <p:cNvPr id="2" name="Date Placeholder 1"/>
+          <p:cNvPr id="2" name="Date Placeholder 1" title=""/>
           <p:cNvSpPr>
             <a:spLocks noGrp="1"/>
           </p:cNvSpPr>
@@ -2021,7 +2021,7 @@
           <a:bodyPr/>
           <a:lstStyle/>
           <a:p>
-            <a:fld id="{E9E4D19F-8420-41C1-AD32-5F43A385A1C1}" type="datetimeFigureOut">
+            <a:fld id="{D95D1292-9F76-4657-9B90-56B4D5528441}" type="datetimeFigureOut">
               <a:rPr lang="en-US" smtClean="0"/>
               <a:t>11/7/2009</a:t>
             </a:fld>
@@ -2031,7 +2031,7 @@
       </p:sp>
       <p:sp>
         <p:nvSpPr>
-          <p:cNvPr id="3" name="Footer Placeholder 2"/>
+          <p:cNvPr id="3" name="Footer Placeholder 2" title=""/>
           <p:cNvSpPr>
             <a:spLocks noGrp="1"/>
           </p:cNvSpPr>
@@ -2050,7 +2050,7 @@
       </p:sp>
       <p:sp>
         <p:nvSpPr>
-          <p:cNvPr id="4" name="Slide Number Placeholder 3"/>
+          <p:cNvPr id="4" name="Slide Number Placeholder 3" title=""/>
           <p:cNvSpPr>
             <a:spLocks noGrp="1"/>
           </p:cNvSpPr>
@@ -2082,11 +2082,11 @@
 </file>
 
 <file path=ppt/slideLayouts/slideLayout8.xml><?xml version="1.0" encoding="utf-8"?>
-<p:sldLayout xmlns:a="http://schemas.openxmlformats.org/drawingml/2006/main" xmlns:r="http://schemas.openxmlformats.org/officeDocument/2006/relationships" xmlns:p14="http://schemas.microsoft.com/office/powerpoint/2010/main" xmlns:a14="http://schemas.microsoft.com/office/drawing/2010/main" xmlns:p15="http://schemas.microsoft.com/office/powerpoint/2012/main" xmlns:p159="http://schemas.microsoft.com/office/powerpoint/2015/09/main" xmlns:p="http://schemas.openxmlformats.org/presentationml/2006/main" type="objTx" preserve="1">
+<p:sldLayout xmlns:a="http://schemas.openxmlformats.org/drawingml/2006/main" xmlns:r="http://schemas.openxmlformats.org/officeDocument/2006/relationships" xmlns:m="http://schemas.openxmlformats.org/officeDocument/2006/math" xmlns:w="http://schemas.openxmlformats.org/wordprocessingml/2006/main" xmlns:wp="http://schemas.openxmlformats.org/drawingml/2006/wordprocessingDrawing" xmlns:a14="http://schemas.microsoft.com/office/drawing/2010/main" xmlns:mc="http://schemas.openxmlformats.org/markup-compatibility/2006" xmlns:p14="http://schemas.microsoft.com/office/powerpoint/2010/main" xmlns:p15="http://schemas.microsoft.com/office/powerpoint/2012/main" xmlns:p159="http://schemas.microsoft.com/office/powerpoint/2015/09/main" xmlns:p="http://schemas.openxmlformats.org/presentationml/2006/main" type="objTx" preserve="1">
   <p:cSld name="Content with Caption">
     <p:spTree>
       <p:nvGrpSpPr>
-        <p:cNvPr id="1" name=""/>
+        <p:cNvPr id="1" name="" title=""/>
         <p:cNvGrpSpPr/>
         <p:nvPr/>
       </p:nvGrpSpPr>
@@ -2098,7 +2098,7 @@
       </p:grpSpPr>
       <p:sp>
         <p:nvSpPr>
-          <p:cNvPr id="2" name="Title 1"/>
+          <p:cNvPr id="2" name="Title 1" title=""/>
           <p:cNvSpPr>
             <a:spLocks noGrp="1"/>
           </p:cNvSpPr>
@@ -2125,7 +2125,7 @@
       </p:sp>
       <p:sp>
         <p:nvSpPr>
-          <p:cNvPr id="3" name="Content Placeholder 2"/>
+          <p:cNvPr id="3" name="Content Placeholder 2" title=""/>
           <p:cNvSpPr>
             <a:spLocks noGrp="1"/>
           </p:cNvSpPr>
@@ -2204,7 +2204,7 @@
       </p:sp>
       <p:sp>
         <p:nvSpPr>
-          <p:cNvPr id="4" name="Text Placeholder 3"/>
+          <p:cNvPr id="4" name="Text Placeholder 3" title=""/>
           <p:cNvSpPr>
             <a:spLocks noGrp="1"/>
           </p:cNvSpPr>
@@ -2263,7 +2263,7 @@
       </p:sp>
       <p:sp>
         <p:nvSpPr>
-          <p:cNvPr id="5" name="Date Placeholder 4"/>
+          <p:cNvPr id="5" name="Date Placeholder 4" title=""/>
           <p:cNvSpPr>
             <a:spLocks noGrp="1"/>
           </p:cNvSpPr>
@@ -2276,7 +2276,7 @@
           <a:bodyPr/>
           <a:lstStyle/>
           <a:p>
-            <a:fld id="{748AEA42-9176-4DE0-8B58-0E4EC84F9906}" type="datetimeFigureOut">
+            <a:fld id="{1100F905-8782-4362-AD41-D8CC2480697E}" type="datetimeFigureOut">
               <a:rPr lang="en-US" smtClean="0"/>
               <a:t>11/7/2009</a:t>
             </a:fld>
@@ -2286,7 +2286,7 @@
       </p:sp>
       <p:sp>
         <p:nvSpPr>
-          <p:cNvPr id="6" name="Footer Placeholder 5"/>
+          <p:cNvPr id="6" name="Footer Placeholder 5" title=""/>
           <p:cNvSpPr>
             <a:spLocks noGrp="1"/>
           </p:cNvSpPr>
@@ -2305,7 +2305,7 @@
       </p:sp>
       <p:sp>
         <p:nvSpPr>
-          <p:cNvPr id="7" name="Slide Number Placeholder 6"/>
+          <p:cNvPr id="7" name="Slide Number Placeholder 6" title=""/>
           <p:cNvSpPr>
             <a:spLocks noGrp="1"/>
           </p:cNvSpPr>
@@ -2337,11 +2337,11 @@
 </file>
 
 <file path=ppt/slideLayouts/slideLayout9.xml><?xml version="1.0" encoding="utf-8"?>
-<p:sldLayout xmlns:a="http://schemas.openxmlformats.org/drawingml/2006/main" xmlns:r="http://schemas.openxmlformats.org/officeDocument/2006/relationships" xmlns:p14="http://schemas.microsoft.com/office/powerpoint/2010/main" xmlns:a14="http://schemas.microsoft.com/office/drawing/2010/main" xmlns:p15="http://schemas.microsoft.com/office/powerpoint/2012/main" xmlns:p159="http://schemas.microsoft.com/office/powerpoint/2015/09/main" xmlns:p="http://schemas.openxmlformats.org/presentationml/2006/main" type="picTx" preserve="1">
+<p:sldLayout xmlns:a="http://schemas.openxmlformats.org/drawingml/2006/main" xmlns:r="http://schemas.openxmlformats.org/officeDocument/2006/relationships" xmlns:m="http://schemas.openxmlformats.org/officeDocument/2006/math" xmlns:w="http://schemas.openxmlformats.org/wordprocessingml/2006/main" xmlns:wp="http://schemas.openxmlformats.org/drawingml/2006/wordprocessingDrawing" xmlns:a14="http://schemas.microsoft.com/office/drawing/2010/main" xmlns:mc="http://schemas.openxmlformats.org/markup-compatibility/2006" xmlns:p14="http://schemas.microsoft.com/office/powerpoint/2010/main" xmlns:p15="http://schemas.microsoft.com/office/powerpoint/2012/main" xmlns:p159="http://schemas.microsoft.com/office/powerpoint/2015/09/main" xmlns:p="http://schemas.openxmlformats.org/presentationml/2006/main" type="picTx" preserve="1">
   <p:cSld name="Picture with Caption">
     <p:spTree>
       <p:nvGrpSpPr>
-        <p:cNvPr id="1" name=""/>
+        <p:cNvPr id="1" name="" title=""/>
         <p:cNvGrpSpPr/>
         <p:nvPr/>
       </p:nvGrpSpPr>
@@ -2353,7 +2353,7 @@
       </p:grpSpPr>
       <p:sp>
         <p:nvSpPr>
-          <p:cNvPr id="2" name="Title 1"/>
+          <p:cNvPr id="2" name="Title 1" title=""/>
           <p:cNvSpPr>
             <a:spLocks noGrp="1"/>
           </p:cNvSpPr>
@@ -2380,7 +2380,7 @@
       </p:sp>
       <p:sp>
         <p:nvSpPr>
-          <p:cNvPr id="3" name="Picture Placeholder 2"/>
+          <p:cNvPr id="3" name="Picture Placeholder 2" title=""/>
           <p:cNvSpPr>
             <a:spLocks noGrp="1"/>
           </p:cNvSpPr>
@@ -2436,7 +2436,7 @@
       </p:sp>
       <p:sp>
         <p:nvSpPr>
-          <p:cNvPr id="4" name="Text Placeholder 3"/>
+          <p:cNvPr id="4" name="Text Placeholder 3" title=""/>
           <p:cNvSpPr>
             <a:spLocks noGrp="1"/>
           </p:cNvSpPr>
@@ -2495,7 +2495,7 @@
       </p:sp>
       <p:sp>
         <p:nvSpPr>
-          <p:cNvPr id="5" name="Date Placeholder 4"/>
+          <p:cNvPr id="5" name="Date Placeholder 4" title=""/>
           <p:cNvSpPr>
             <a:spLocks noGrp="1"/>
           </p:cNvSpPr>
@@ -2508,7 +2508,7 @@
           <a:bodyPr/>
           <a:lstStyle/>
           <a:p>
-            <a:fld id="{2CDC0384-9F16-4696-B02E-80FB2A43CD13}" type="datetimeFigureOut">
+            <a:fld id="{CD1F78F5-980E-4178-84CF-166CC2354B0B}" type="datetimeFigureOut">
               <a:rPr lang="en-US" smtClean="0"/>
               <a:t>11/7/2009</a:t>
             </a:fld>
@@ -2518,7 +2518,7 @@
       </p:sp>
       <p:sp>
         <p:nvSpPr>
-          <p:cNvPr id="6" name="Footer Placeholder 5"/>
+          <p:cNvPr id="6" name="Footer Placeholder 5" title=""/>
           <p:cNvSpPr>
             <a:spLocks noGrp="1"/>
           </p:cNvSpPr>
@@ -2537,7 +2537,7 @@
       </p:sp>
       <p:sp>
         <p:nvSpPr>
-          <p:cNvPr id="7" name="Slide Number Placeholder 6"/>
+          <p:cNvPr id="7" name="Slide Number Placeholder 6" title=""/>
           <p:cNvSpPr>
             <a:spLocks noGrp="1"/>
           </p:cNvSpPr>
@@ -2569,7 +2569,7 @@
 </file>
 
 <file path=ppt/slideMasters/slideMaster1.xml><?xml version="1.0" encoding="utf-8"?>
-<p:sldMaster xmlns:a="http://schemas.openxmlformats.org/drawingml/2006/main" xmlns:r="http://schemas.openxmlformats.org/officeDocument/2006/relationships" xmlns:p14="http://schemas.microsoft.com/office/powerpoint/2010/main" xmlns:a14="http://schemas.microsoft.com/office/drawing/2010/main" xmlns:p15="http://schemas.microsoft.com/office/powerpoint/2012/main" xmlns:p159="http://schemas.microsoft.com/office/powerpoint/2015/09/main" xmlns:p="http://schemas.openxmlformats.org/presentationml/2006/main">
+<p:sldMaster xmlns:a="http://schemas.openxmlformats.org/drawingml/2006/main" xmlns:r="http://schemas.openxmlformats.org/officeDocument/2006/relationships" xmlns:m="http://schemas.openxmlformats.org/officeDocument/2006/math" xmlns:w="http://schemas.openxmlformats.org/wordprocessingml/2006/main" xmlns:wp="http://schemas.openxmlformats.org/drawingml/2006/wordprocessingDrawing" xmlns:a14="http://schemas.microsoft.com/office/drawing/2010/main" xmlns:mc="http://schemas.openxmlformats.org/markup-compatibility/2006" xmlns:p14="http://schemas.microsoft.com/office/powerpoint/2010/main" xmlns:p15="http://schemas.microsoft.com/office/powerpoint/2012/main" xmlns:p159="http://schemas.microsoft.com/office/powerpoint/2015/09/main" xmlns:p="http://schemas.openxmlformats.org/presentationml/2006/main">
   <p:cSld>
     <p:bg>
       <p:bgRef idx="1001">
@@ -2578,7 +2578,7 @@
     </p:bg>
     <p:spTree>
       <p:nvGrpSpPr>
-        <p:cNvPr id="1" name=""/>
+        <p:cNvPr id="1" name="" title=""/>
         <p:cNvGrpSpPr/>
         <p:nvPr/>
       </p:nvGrpSpPr>
@@ -2590,7 +2590,7 @@
       </p:grpSpPr>
       <p:sp>
         <p:nvSpPr>
-          <p:cNvPr id="2" name="Title Placeholder 1"/>
+          <p:cNvPr id="2" name="Title Placeholder 1" title=""/>
           <p:cNvSpPr>
             <a:spLocks noGrp="1"/>
           </p:cNvSpPr>
@@ -2623,7 +2623,7 @@
       </p:sp>
       <p:sp>
         <p:nvSpPr>
-          <p:cNvPr id="3" name="Text Placeholder 2"/>
+          <p:cNvPr id="3" name="Text Placeholder 2" title=""/>
           <p:cNvSpPr>
             <a:spLocks noGrp="1"/>
           </p:cNvSpPr>
@@ -2684,7 +2684,7 @@
       </p:sp>
       <p:sp>
         <p:nvSpPr>
-          <p:cNvPr id="4" name="Date Placeholder 3"/>
+          <p:cNvPr id="4" name="Date Placeholder 3" title=""/>
           <p:cNvSpPr>
             <a:spLocks noGrp="1"/>
           </p:cNvSpPr>
@@ -2725,7 +2725,7 @@
       </p:sp>
       <p:sp>
         <p:nvSpPr>
-          <p:cNvPr id="5" name="Footer Placeholder 4"/>
+          <p:cNvPr id="5" name="Footer Placeholder 4" title=""/>
           <p:cNvSpPr>
             <a:spLocks noGrp="1"/>
           </p:cNvSpPr>
@@ -2762,7 +2762,7 @@
       </p:sp>
       <p:sp>
         <p:nvSpPr>
-          <p:cNvPr id="6" name="Slide Number Placeholder 5"/>
+          <p:cNvPr id="6" name="Slide Number Placeholder 5" title=""/>
           <p:cNvSpPr>
             <a:spLocks noGrp="1"/>
           </p:cNvSpPr>
@@ -3073,11 +3073,11 @@
 </file>
 
 <file path=ppt/slides/slide1.xml><?xml version="1.0" encoding="utf-8"?>
-<p:sld xmlns:a="http://schemas.openxmlformats.org/drawingml/2006/main" xmlns:r="http://schemas.openxmlformats.org/officeDocument/2006/relationships" xmlns:p14="http://schemas.microsoft.com/office/powerpoint/2010/main" xmlns:a14="http://schemas.microsoft.com/office/drawing/2010/main" xmlns:p15="http://schemas.microsoft.com/office/powerpoint/2012/main" xmlns:p159="http://schemas.microsoft.com/office/powerpoint/2015/09/main" xmlns:p="http://schemas.openxmlformats.org/presentationml/2006/main">
+<p:sld xmlns:a="http://schemas.openxmlformats.org/drawingml/2006/main" xmlns:r="http://schemas.openxmlformats.org/officeDocument/2006/relationships" xmlns:m="http://schemas.openxmlformats.org/officeDocument/2006/math" xmlns:w="http://schemas.openxmlformats.org/wordprocessingml/2006/main" xmlns:wp="http://schemas.openxmlformats.org/drawingml/2006/wordprocessingDrawing" xmlns:a14="http://schemas.microsoft.com/office/drawing/2010/main" xmlns:mc="http://schemas.openxmlformats.org/markup-compatibility/2006" xmlns:p14="http://schemas.microsoft.com/office/powerpoint/2010/main" xmlns:p15="http://schemas.microsoft.com/office/powerpoint/2012/main" xmlns:p159="http://schemas.microsoft.com/office/powerpoint/2015/09/main" xmlns:p="http://schemas.openxmlformats.org/presentationml/2006/main">
   <p:cSld name="">
     <p:spTree>
       <p:nvGrpSpPr>
-        <p:cNvPr id="1" name=""/>
+        <p:cNvPr id="1" name="" title=""/>
         <p:cNvGrpSpPr/>
         <p:nvPr/>
       </p:nvGrpSpPr>
@@ -3089,7 +3089,7 @@
       </p:grpSpPr>
       <p:graphicFrame>
         <p:nvGraphicFramePr>
-          <p:cNvPr id="2" name="ChartObject"/>
+          <p:cNvPr id="2" name="ChartObject" title=""/>
           <p:cNvGraphicFramePr/>
           <p:nvPr/>
         </p:nvGraphicFramePr>
@@ -3103,6 +3103,77 @@
           </a:graphicData>
         </a:graphic>
       </p:graphicFrame>
+      <p:sp>
+        <p:nvSpPr>
+          <p:cNvPr id="3" name="TextBox"/>
+          <p:cNvSpPr txBox="1">
+            <a:spLocks noGrp="1" noSelect="1" noRot="1" noMove="1"/>
+          </p:cNvSpPr>
+          <p:nvPr/>
+        </p:nvSpPr>
+        <p:spPr>
+          <a:xfrm>
+            <a:off x="1366520" y="2644140"/>
+            <a:ext cx="6411372" cy="1569660"/>
+          </a:xfrm>
+          <a:prstGeom prst="rect">
+            <a:avLst/>
+          </a:prstGeom>
+          <a:noFill/>
+        </p:spPr>
+        <p:txBody>
+          <a:bodyPr wrap="none" rtlCol="0" anchor="ctr" anchorCtr="1">
+            <a:spAutoFit/>
+          </a:bodyPr>
+          <a:lstStyle>
+            <a:lvl1pPr algn="l">
+              <a:lnSpc>
+                <a:spcPct val="150000"/>
+              </a:lnSpc>
+              <a:spcBef>
+                <a:spcPct val="0"/>
+              </a:spcBef>
+              <a:spcAft>
+                <a:spcPct val="0"/>
+              </a:spcAft>
+              <a:defRPr lang="en-US" sz="3200" b="1" noProof="1" dirty="0">
+                <a:solidFill>
+                  <a:prstClr val="red">
+                    <a:lumOff val="30000"/>
+                    <a:alpha val="40000"/>
+                  </a:prstClr>
+                </a:solidFill>
+                <a:effectLst>
+                  <a:outerShdw blurRad="50800" dist="38100" algn="tr" rotWithShape="0">
+                    <a:prstClr val="black">
+                      <a:alpha val="80000"/>
+                    </a:prstClr>
+                  </a:outerShdw>
+                </a:effectLst>
+                <a:latin typeface="Calibri" pitchFamily="34" charset="0"/>
+              </a:defRPr>
+            </a:lvl1pPr>
+          </a:lstStyle>
+          <a:p>
+            <a:pPr algn="ctr"/>
+            <a:r>
+              <a:t>Evaluation only.</a:t>
+            </a:r>
+          </a:p>
+          <a:p>
+            <a:pPr algn="ctr"/>
+            <a:r>
+              <a:t>Created with Aspose.Slides for .NET 4.0 Client Profile 21.12.</a:t>
+            </a:r>
+          </a:p>
+          <a:p>
+            <a:pPr algn="ctr"/>
+            <a:r>
+              <a:t>Copyright 2004-2021Aspose Pty Ltd.</a:t>
+            </a:r>
+          </a:p>
+        </p:txBody>
+      </p:sp>
     </p:spTree>
   </p:cSld>
   <p:clrMapOvr>
@@ -3116,10 +3187,10 @@
 <file path=ppt/tags/tag1.xml><?xml version="1.0" encoding="utf-8"?>
 <p:tagLst xmlns:p="http://schemas.openxmlformats.org/presentationml/2006/main">
   <p:tag name="AS_NET" val="4.0.30319.42000"/>
-  <p:tag name="AS_OS" val="Microsoft Windows NT 6.2.9200.0"/>
-  <p:tag name="AS_RELEASE_DATE" val="2019.06.14"/>
+  <p:tag name="AS_OS" val="Microsoft Windows NT 6.3.9600.0"/>
+  <p:tag name="AS_RELEASE_DATE" val="2021.12.14"/>
   <p:tag name="AS_TITLE" val="Aspose.Slides for .NET 4.0 Client Profile"/>
-  <p:tag name="AS_VERSION" val="19.6"/>
+  <p:tag name="AS_VERSION" val="21.12"/>
 </p:tagLst>
 </file>
 
